--- a/DSP_COMPUTER_SCIENCE_&_IT/1_LECTURE_DISCRETE_FOURIER_TRANSFORM_DFT.pptx
+++ b/DSP_COMPUTER_SCIENCE_&_IT/1_LECTURE_DISCRETE_FOURIER_TRANSFORM_DFT.pptx
@@ -260,7 +260,7 @@
           <a:p>
             <a:fld id="{717287D9-6BD5-46E8-BF11-8BE9DEEB591D}" type="datetimeFigureOut">
               <a:rPr lang="en-US" smtClean="0"/>
-              <a:t>10/3/2024</a:t>
+              <a:t>10/7/2024</a:t>
             </a:fld>
             <a:endParaRPr lang="en-US"/>
           </a:p>
@@ -430,7 +430,7 @@
           <a:p>
             <a:fld id="{717287D9-6BD5-46E8-BF11-8BE9DEEB591D}" type="datetimeFigureOut">
               <a:rPr lang="en-US" smtClean="0"/>
-              <a:t>10/3/2024</a:t>
+              <a:t>10/7/2024</a:t>
             </a:fld>
             <a:endParaRPr lang="en-US"/>
           </a:p>
@@ -610,7 +610,7 @@
           <a:p>
             <a:fld id="{717287D9-6BD5-46E8-BF11-8BE9DEEB591D}" type="datetimeFigureOut">
               <a:rPr lang="en-US" smtClean="0"/>
-              <a:t>10/3/2024</a:t>
+              <a:t>10/7/2024</a:t>
             </a:fld>
             <a:endParaRPr lang="en-US"/>
           </a:p>
@@ -780,7 +780,7 @@
           <a:p>
             <a:fld id="{717287D9-6BD5-46E8-BF11-8BE9DEEB591D}" type="datetimeFigureOut">
               <a:rPr lang="en-US" smtClean="0"/>
-              <a:t>10/3/2024</a:t>
+              <a:t>10/7/2024</a:t>
             </a:fld>
             <a:endParaRPr lang="en-US"/>
           </a:p>
@@ -1026,7 +1026,7 @@
           <a:p>
             <a:fld id="{717287D9-6BD5-46E8-BF11-8BE9DEEB591D}" type="datetimeFigureOut">
               <a:rPr lang="en-US" smtClean="0"/>
-              <a:t>10/3/2024</a:t>
+              <a:t>10/7/2024</a:t>
             </a:fld>
             <a:endParaRPr lang="en-US"/>
           </a:p>
@@ -1258,7 +1258,7 @@
           <a:p>
             <a:fld id="{717287D9-6BD5-46E8-BF11-8BE9DEEB591D}" type="datetimeFigureOut">
               <a:rPr lang="en-US" smtClean="0"/>
-              <a:t>10/3/2024</a:t>
+              <a:t>10/7/2024</a:t>
             </a:fld>
             <a:endParaRPr lang="en-US"/>
           </a:p>
@@ -1625,7 +1625,7 @@
           <a:p>
             <a:fld id="{717287D9-6BD5-46E8-BF11-8BE9DEEB591D}" type="datetimeFigureOut">
               <a:rPr lang="en-US" smtClean="0"/>
-              <a:t>10/3/2024</a:t>
+              <a:t>10/7/2024</a:t>
             </a:fld>
             <a:endParaRPr lang="en-US"/>
           </a:p>
@@ -1743,7 +1743,7 @@
           <a:p>
             <a:fld id="{717287D9-6BD5-46E8-BF11-8BE9DEEB591D}" type="datetimeFigureOut">
               <a:rPr lang="en-US" smtClean="0"/>
-              <a:t>10/3/2024</a:t>
+              <a:t>10/7/2024</a:t>
             </a:fld>
             <a:endParaRPr lang="en-US"/>
           </a:p>
@@ -1838,7 +1838,7 @@
           <a:p>
             <a:fld id="{717287D9-6BD5-46E8-BF11-8BE9DEEB591D}" type="datetimeFigureOut">
               <a:rPr lang="en-US" smtClean="0"/>
-              <a:t>10/3/2024</a:t>
+              <a:t>10/7/2024</a:t>
             </a:fld>
             <a:endParaRPr lang="en-US"/>
           </a:p>
@@ -2115,7 +2115,7 @@
           <a:p>
             <a:fld id="{717287D9-6BD5-46E8-BF11-8BE9DEEB591D}" type="datetimeFigureOut">
               <a:rPr lang="en-US" smtClean="0"/>
-              <a:t>10/3/2024</a:t>
+              <a:t>10/7/2024</a:t>
             </a:fld>
             <a:endParaRPr lang="en-US"/>
           </a:p>
@@ -2368,7 +2368,7 @@
           <a:p>
             <a:fld id="{717287D9-6BD5-46E8-BF11-8BE9DEEB591D}" type="datetimeFigureOut">
               <a:rPr lang="en-US" smtClean="0"/>
-              <a:t>10/3/2024</a:t>
+              <a:t>10/7/2024</a:t>
             </a:fld>
             <a:endParaRPr lang="en-US"/>
           </a:p>
@@ -2581,7 +2581,7 @@
           <a:p>
             <a:fld id="{717287D9-6BD5-46E8-BF11-8BE9DEEB591D}" type="datetimeFigureOut">
               <a:rPr lang="en-US" smtClean="0"/>
-              <a:t>10/3/2024</a:t>
+              <a:t>10/7/2024</a:t>
             </a:fld>
             <a:endParaRPr lang="en-US"/>
           </a:p>
@@ -9821,8 +9821,8 @@
           </a:prstGeom>
         </p:spPr>
       </p:pic>
-      <mc:AlternateContent xmlns:mc="http://schemas.openxmlformats.org/markup-compatibility/2006">
-        <mc:Choice xmlns:a14="http://schemas.microsoft.com/office/drawing/2010/main" Requires="a14">
+      <mc:AlternateContent xmlns:mc="http://schemas.openxmlformats.org/markup-compatibility/2006" xmlns:a14="http://schemas.microsoft.com/office/drawing/2010/main">
+        <mc:Choice Requires="a14">
           <p:sp>
             <p:nvSpPr>
               <p:cNvPr id="23" name="Rectangle 22"/>
@@ -10035,7 +10035,7 @@
             </p:txBody>
           </p:sp>
         </mc:Choice>
-        <mc:Fallback>
+        <mc:Fallback xmlns="">
           <p:sp>
             <p:nvSpPr>
               <p:cNvPr id="23" name="Rectangle 22"/>
@@ -11006,8 +11006,8 @@
           <a:chExt cx="0" cy="0"/>
         </a:xfrm>
       </p:grpSpPr>
-      <mc:AlternateContent xmlns:mc="http://schemas.openxmlformats.org/markup-compatibility/2006">
-        <mc:Choice xmlns:a14="http://schemas.microsoft.com/office/drawing/2010/main" Requires="a14">
+      <mc:AlternateContent xmlns:mc="http://schemas.openxmlformats.org/markup-compatibility/2006" xmlns:a14="http://schemas.microsoft.com/office/drawing/2010/main">
+        <mc:Choice Requires="a14">
           <p:sp>
             <p:nvSpPr>
               <p:cNvPr id="2" name="Title 1"/>
@@ -11036,23 +11036,7 @@
                       <a:srgbClr val="FF0000"/>
                     </a:solidFill>
                   </a:rPr>
-                  <a:t>Example: Calculate the </a:t>
-                </a:r>
-                <a:r>
-                  <a:rPr lang="en-US" b="1" dirty="0" smtClean="0">
-                    <a:solidFill>
-                      <a:srgbClr val="FF0000"/>
-                    </a:solidFill>
-                  </a:rPr>
-                  <a:t>4-point </a:t>
-                </a:r>
-                <a:r>
-                  <a:rPr lang="en-US" b="1" dirty="0" smtClean="0">
-                    <a:solidFill>
-                      <a:srgbClr val="FF0000"/>
-                    </a:solidFill>
-                  </a:rPr>
-                  <a:t>Discrete Fourier Transform (DFT) of given sequence </a:t>
+                  <a:t>Example: Calculate the 4-point Discrete Fourier Transform (DFT) of given sequence </a:t>
                 </a:r>
                 <a14:m>
                   <m:oMath xmlns:m="http://schemas.openxmlformats.org/officeDocument/2006/math">
@@ -11182,7 +11166,7 @@
             </p:txBody>
           </p:sp>
         </mc:Choice>
-        <mc:Fallback>
+        <mc:Fallback xmlns="">
           <p:sp>
             <p:nvSpPr>
               <p:cNvPr id="2" name="Title 1"/>
@@ -11278,7 +11262,31 @@
                   <a:srgbClr val="7030A0"/>
                 </a:solidFill>
               </a:rPr>
-              <a:t>STEP:-1: Check Length of Sequence is = N = 4, then value of k is also two, k = 0, 1,2,3</a:t>
+              <a:t>STEP:-1: Check Length of Sequence is = N = 4, then value of k is </a:t>
+            </a:r>
+            <a:r>
+              <a:rPr lang="en-US" sz="3600" b="1" smtClean="0">
+                <a:solidFill>
+                  <a:srgbClr val="7030A0"/>
+                </a:solidFill>
+              </a:rPr>
+              <a:t>also </a:t>
+            </a:r>
+            <a:r>
+              <a:rPr lang="en-US" sz="3600" b="1" smtClean="0">
+                <a:solidFill>
+                  <a:srgbClr val="7030A0"/>
+                </a:solidFill>
+              </a:rPr>
+              <a:t>four, </a:t>
+            </a:r>
+            <a:r>
+              <a:rPr lang="en-US" sz="3600" b="1" dirty="0" smtClean="0">
+                <a:solidFill>
+                  <a:srgbClr val="7030A0"/>
+                </a:solidFill>
+              </a:rPr>
+              <a:t>k = 0, 1,2,3</a:t>
             </a:r>
             <a:endParaRPr lang="en-US" sz="3600" b="1" dirty="0">
               <a:solidFill>
@@ -16353,8 +16361,8 @@
           </p:sp>
         </mc:Fallback>
       </mc:AlternateContent>
-      <mc:AlternateContent xmlns:mc="http://schemas.openxmlformats.org/markup-compatibility/2006">
-        <mc:Choice xmlns:a14="http://schemas.microsoft.com/office/drawing/2010/main" Requires="a14">
+      <mc:AlternateContent xmlns:mc="http://schemas.openxmlformats.org/markup-compatibility/2006" xmlns:a14="http://schemas.microsoft.com/office/drawing/2010/main">
+        <mc:Choice Requires="a14">
           <p:sp>
             <p:nvSpPr>
               <p:cNvPr id="13" name="Rectangle 12"/>
@@ -16795,7 +16803,7 @@
             </p:txBody>
           </p:sp>
         </mc:Choice>
-        <mc:Fallback>
+        <mc:Fallback xmlns="">
           <p:sp>
             <p:nvSpPr>
               <p:cNvPr id="13" name="Rectangle 12"/>
@@ -17702,8 +17710,8 @@
           </p:sp>
         </mc:Fallback>
       </mc:AlternateContent>
-      <mc:AlternateContent xmlns:mc="http://schemas.openxmlformats.org/markup-compatibility/2006">
-        <mc:Choice xmlns:a14="http://schemas.microsoft.com/office/drawing/2010/main" Requires="a14">
+      <mc:AlternateContent xmlns:mc="http://schemas.openxmlformats.org/markup-compatibility/2006" xmlns:a14="http://schemas.microsoft.com/office/drawing/2010/main">
+        <mc:Choice Requires="a14">
           <p:sp>
             <p:nvSpPr>
               <p:cNvPr id="30" name="Rectangle 29"/>
@@ -17900,7 +17908,7 @@
             </p:txBody>
           </p:sp>
         </mc:Choice>
-        <mc:Fallback>
+        <mc:Fallback xmlns="">
           <p:sp>
             <p:nvSpPr>
               <p:cNvPr id="30" name="Rectangle 29"/>
@@ -20061,8 +20069,8 @@
           </a:prstGeom>
         </p:spPr>
       </p:pic>
-      <mc:AlternateContent xmlns:mc="http://schemas.openxmlformats.org/markup-compatibility/2006">
-        <mc:Choice xmlns:a14="http://schemas.microsoft.com/office/drawing/2010/main" Requires="a14">
+      <mc:AlternateContent xmlns:mc="http://schemas.openxmlformats.org/markup-compatibility/2006" xmlns:a14="http://schemas.microsoft.com/office/drawing/2010/main">
+        <mc:Choice Requires="a14">
           <p:sp>
             <p:nvSpPr>
               <p:cNvPr id="32" name="Rectangle 31"/>
@@ -20084,7 +20092,6 @@
               </a:bodyPr>
               <a:lstStyle/>
               <a:p>
-                <a:pPr/>
                 <a14:m>
                   <m:oMath xmlns:m="http://schemas.openxmlformats.org/officeDocument/2006/math">
                     <m:r>
@@ -20132,25 +20139,7 @@
                       <a:rPr lang="en-US" sz="3200" b="0" i="1" smtClean="0">
                         <a:latin typeface="Cambria Math" panose="02040503050406030204" pitchFamily="18" charset="0"/>
                       </a:rPr>
-                      <m:t>0</m:t>
-                    </m:r>
-                    <m:r>
-                      <a:rPr lang="en-US" sz="3200" b="0" i="1" smtClean="0">
-                        <a:latin typeface="Cambria Math" panose="02040503050406030204" pitchFamily="18" charset="0"/>
-                      </a:rPr>
-                      <m:t>+</m:t>
-                    </m:r>
-                    <m:r>
-                      <a:rPr lang="en-US" sz="3200" b="0" i="1" smtClean="0">
-                        <a:latin typeface="Cambria Math" panose="02040503050406030204" pitchFamily="18" charset="0"/>
-                      </a:rPr>
-                      <m:t>0</m:t>
-                    </m:r>
-                    <m:r>
-                      <a:rPr lang="en-US" sz="3200" b="0" i="1" smtClean="0">
-                        <a:latin typeface="Cambria Math" panose="02040503050406030204" pitchFamily="18" charset="0"/>
-                      </a:rPr>
-                      <m:t>+</m:t>
+                      <m:t>0+0+</m:t>
                     </m:r>
                     <m:r>
                       <a:rPr lang="en-US" sz="3200" i="1" smtClean="0">
@@ -20251,7 +20240,7 @@
             </p:txBody>
           </p:sp>
         </mc:Choice>
-        <mc:Fallback>
+        <mc:Fallback xmlns="">
           <p:sp>
             <p:nvSpPr>
               <p:cNvPr id="32" name="Rectangle 31"/>
@@ -20290,8 +20279,8 @@
           </p:sp>
         </mc:Fallback>
       </mc:AlternateContent>
-      <mc:AlternateContent xmlns:mc="http://schemas.openxmlformats.org/markup-compatibility/2006">
-        <mc:Choice xmlns:a14="http://schemas.microsoft.com/office/drawing/2010/main" Requires="a14">
+      <mc:AlternateContent xmlns:mc="http://schemas.openxmlformats.org/markup-compatibility/2006" xmlns:a14="http://schemas.microsoft.com/office/drawing/2010/main">
+        <mc:Choice Requires="a14">
           <p:sp>
             <p:nvSpPr>
               <p:cNvPr id="33" name="Rectangle 32"/>
@@ -20313,7 +20302,6 @@
               </a:bodyPr>
               <a:lstStyle/>
               <a:p>
-                <a:pPr/>
                 <a14:m>
                   <m:oMath xmlns:m="http://schemas.openxmlformats.org/officeDocument/2006/math">
                     <m:r>
@@ -20369,14 +20357,7 @@
                             <a:latin typeface="Cambria Math" panose="02040503050406030204" pitchFamily="18" charset="0"/>
                             <a:ea typeface="Cambria Math" panose="02040503050406030204" pitchFamily="18" charset="0"/>
                           </a:rPr>
-                          <m:t>−1</m:t>
-                        </m:r>
-                        <m:r>
-                          <a:rPr lang="en-US" sz="3200" b="0" i="1" smtClean="0">
-                            <a:latin typeface="Cambria Math" panose="02040503050406030204" pitchFamily="18" charset="0"/>
-                            <a:ea typeface="Cambria Math" panose="02040503050406030204" pitchFamily="18" charset="0"/>
-                          </a:rPr>
-                          <m:t>+0</m:t>
+                          <m:t>−1+0</m:t>
                         </m:r>
                       </m:e>
                     </m:d>
@@ -20398,7 +20379,7 @@
             </p:txBody>
           </p:sp>
         </mc:Choice>
-        <mc:Fallback>
+        <mc:Fallback xmlns="">
           <p:sp>
             <p:nvSpPr>
               <p:cNvPr id="33" name="Rectangle 32"/>
@@ -20502,23 +20483,7 @@
                   <a:srgbClr val="7030A0"/>
                 </a:solidFill>
               </a:rPr>
-              <a:t>STEP:-2: Put k = </a:t>
-            </a:r>
-            <a:r>
-              <a:rPr lang="en-US" sz="2800" b="1" dirty="0" smtClean="0">
-                <a:solidFill>
-                  <a:srgbClr val="7030A0"/>
-                </a:solidFill>
-              </a:rPr>
-              <a:t>3 </a:t>
-            </a:r>
-            <a:r>
-              <a:rPr lang="en-US" sz="2800" b="1" dirty="0" smtClean="0">
-                <a:solidFill>
-                  <a:srgbClr val="7030A0"/>
-                </a:solidFill>
-              </a:rPr>
-              <a:t>in equation (1)</a:t>
+              <a:t>STEP:-2: Put k = 3 in equation (1)</a:t>
             </a:r>
             <a:endParaRPr lang="en-US" sz="2800" b="1" dirty="0">
               <a:solidFill>
@@ -20528,8 +20493,8 @@
           </a:p>
         </p:txBody>
       </p:sp>
-      <mc:AlternateContent xmlns:mc="http://schemas.openxmlformats.org/markup-compatibility/2006">
-        <mc:Choice xmlns:a14="http://schemas.microsoft.com/office/drawing/2010/main" Requires="a14">
+      <mc:AlternateContent xmlns:mc="http://schemas.openxmlformats.org/markup-compatibility/2006" xmlns:a14="http://schemas.microsoft.com/office/drawing/2010/main">
+        <mc:Choice Requires="a14">
           <p:sp>
             <p:nvSpPr>
               <p:cNvPr id="26" name="Rectangle 25"/>
@@ -21033,7 +20998,7 @@
             </p:txBody>
           </p:sp>
         </mc:Choice>
-        <mc:Fallback>
+        <mc:Fallback xmlns="">
           <p:sp>
             <p:nvSpPr>
               <p:cNvPr id="26" name="Rectangle 25"/>
@@ -21072,8 +21037,8 @@
           </p:sp>
         </mc:Fallback>
       </mc:AlternateContent>
-      <mc:AlternateContent xmlns:mc="http://schemas.openxmlformats.org/markup-compatibility/2006">
-        <mc:Choice xmlns:a14="http://schemas.microsoft.com/office/drawing/2010/main" Requires="a14">
+      <mc:AlternateContent xmlns:mc="http://schemas.openxmlformats.org/markup-compatibility/2006" xmlns:a14="http://schemas.microsoft.com/office/drawing/2010/main">
+        <mc:Choice Requires="a14">
           <p:sp>
             <p:nvSpPr>
               <p:cNvPr id="27" name="Rectangle 26"/>
@@ -21520,7 +21485,7 @@
             </p:txBody>
           </p:sp>
         </mc:Choice>
-        <mc:Fallback>
+        <mc:Fallback xmlns="">
           <p:sp>
             <p:nvSpPr>
               <p:cNvPr id="27" name="Rectangle 26"/>
@@ -22064,8 +22029,8 @@
           </a:p>
         </p:txBody>
       </p:sp>
-      <mc:AlternateContent xmlns:mc="http://schemas.openxmlformats.org/markup-compatibility/2006">
-        <mc:Choice xmlns:a14="http://schemas.microsoft.com/office/drawing/2010/main" Requires="a14">
+      <mc:AlternateContent xmlns:mc="http://schemas.openxmlformats.org/markup-compatibility/2006" xmlns:a14="http://schemas.microsoft.com/office/drawing/2010/main">
+        <mc:Choice Requires="a14">
           <p:sp>
             <p:nvSpPr>
               <p:cNvPr id="39" name="Rectangle 38"/>
@@ -22275,7 +22240,7 @@
             </p:txBody>
           </p:sp>
         </mc:Choice>
-        <mc:Fallback>
+        <mc:Fallback xmlns="">
           <p:sp>
             <p:nvSpPr>
               <p:cNvPr id="39" name="Rectangle 38"/>
@@ -22314,8 +22279,8 @@
           </p:sp>
         </mc:Fallback>
       </mc:AlternateContent>
-      <mc:AlternateContent xmlns:mc="http://schemas.openxmlformats.org/markup-compatibility/2006">
-        <mc:Choice xmlns:a14="http://schemas.microsoft.com/office/drawing/2010/main" Requires="a14">
+      <mc:AlternateContent xmlns:mc="http://schemas.openxmlformats.org/markup-compatibility/2006" xmlns:a14="http://schemas.microsoft.com/office/drawing/2010/main">
+        <mc:Choice Requires="a14">
           <p:sp>
             <p:nvSpPr>
               <p:cNvPr id="34" name="Rectangle 33"/>
@@ -22673,7 +22638,7 @@
             </p:txBody>
           </p:sp>
         </mc:Choice>
-        <mc:Fallback>
+        <mc:Fallback xmlns="">
           <p:sp>
             <p:nvSpPr>
               <p:cNvPr id="34" name="Rectangle 33"/>
@@ -22712,8 +22677,8 @@
           </p:sp>
         </mc:Fallback>
       </mc:AlternateContent>
-      <mc:AlternateContent xmlns:mc="http://schemas.openxmlformats.org/markup-compatibility/2006">
-        <mc:Choice xmlns:a14="http://schemas.microsoft.com/office/drawing/2010/main" Requires="a14">
+      <mc:AlternateContent xmlns:mc="http://schemas.openxmlformats.org/markup-compatibility/2006" xmlns:a14="http://schemas.microsoft.com/office/drawing/2010/main">
+        <mc:Choice Requires="a14">
           <p:sp>
             <p:nvSpPr>
               <p:cNvPr id="35" name="Rectangle 34"/>
@@ -22960,7 +22925,7 @@
             </p:txBody>
           </p:sp>
         </mc:Choice>
-        <mc:Fallback>
+        <mc:Fallback xmlns="">
           <p:sp>
             <p:nvSpPr>
               <p:cNvPr id="35" name="Rectangle 34"/>
@@ -22999,8 +22964,8 @@
           </p:sp>
         </mc:Fallback>
       </mc:AlternateContent>
-      <mc:AlternateContent xmlns:mc="http://schemas.openxmlformats.org/markup-compatibility/2006">
-        <mc:Choice xmlns:a14="http://schemas.microsoft.com/office/drawing/2010/main" Requires="a14">
+      <mc:AlternateContent xmlns:mc="http://schemas.openxmlformats.org/markup-compatibility/2006" xmlns:a14="http://schemas.microsoft.com/office/drawing/2010/main">
+        <mc:Choice Requires="a14">
           <p:sp>
             <p:nvSpPr>
               <p:cNvPr id="36" name="Rectangle 35"/>
@@ -23111,7 +23076,7 @@
             </p:txBody>
           </p:sp>
         </mc:Choice>
-        <mc:Fallback>
+        <mc:Fallback xmlns="">
           <p:sp>
             <p:nvSpPr>
               <p:cNvPr id="36" name="Rectangle 35"/>
@@ -23174,8 +23139,8 @@
           </a:prstGeom>
         </p:spPr>
       </p:pic>
-      <mc:AlternateContent xmlns:mc="http://schemas.openxmlformats.org/markup-compatibility/2006">
-        <mc:Choice xmlns:a14="http://schemas.microsoft.com/office/drawing/2010/main" Requires="a14">
+      <mc:AlternateContent xmlns:mc="http://schemas.openxmlformats.org/markup-compatibility/2006" xmlns:a14="http://schemas.microsoft.com/office/drawing/2010/main">
+        <mc:Choice Requires="a14">
           <p:sp>
             <p:nvSpPr>
               <p:cNvPr id="38" name="Rectangle 37"/>
@@ -23431,7 +23396,7 @@
             </p:txBody>
           </p:sp>
         </mc:Choice>
-        <mc:Fallback>
+        <mc:Fallback xmlns="">
           <p:sp>
             <p:nvSpPr>
               <p:cNvPr id="38" name="Rectangle 37"/>
